--- a/Projektarbeit_New/Documents/Gruppenarbeit m151.pptx
+++ b/Projektarbeit_New/Documents/Gruppenarbeit m151.pptx
@@ -11,6 +11,7 @@
     <p:sldId id="259" r:id="rId5"/>
     <p:sldId id="260" r:id="rId6"/>
     <p:sldId id="261" r:id="rId7"/>
+    <p:sldId id="262" r:id="rId8"/>
   </p:sldIdLst>
   <p:sldSz cx="12192000" cy="6858000"/>
   <p:notesSz cx="6858000" cy="9144000"/>
@@ -109,6 +110,11 @@
       </a:defRPr>
     </a:lvl9pPr>
   </p:defaultTextStyle>
+  <p:extLst>
+    <p:ext uri="{EFAFB233-063F-42B5-8137-9DF3F51BA10A}">
+      <p15:sldGuideLst xmlns:p15="http://schemas.microsoft.com/office/powerpoint/2012/main"/>
+    </p:ext>
+  </p:extLst>
 </p:presentation>
 </file>
 
@@ -3855,66 +3861,6 @@
           <a:chExt cx="0" cy="0"/>
         </a:xfrm>
       </p:grpSpPr>
-      <p:sp useBgFill="1">
-        <p:nvSpPr>
-          <p:cNvPr id="9" name="Rectangle 8">
-            <a:extLst>
-              <a:ext uri="{FF2B5EF4-FFF2-40B4-BE49-F238E27FC236}">
-                <a16:creationId xmlns:a16="http://schemas.microsoft.com/office/drawing/2014/main" id="{26B4480E-B7FF-4481-890E-043A69AE6FE2}"/>
-              </a:ext>
-              <a:ext uri="{C183D7F6-B498-43B3-948B-1728B52AA6E4}">
-                <adec:decorative xmlns:adec="http://schemas.microsoft.com/office/drawing/2017/decorative" val="1"/>
-              </a:ext>
-            </a:extLst>
-          </p:cNvPr>
-          <p:cNvSpPr>
-            <a:spLocks noGrp="1" noRot="1" noChangeAspect="1" noMove="1" noResize="1" noEditPoints="1" noAdjustHandles="1" noChangeArrowheads="1" noChangeShapeType="1" noTextEdit="1"/>
-          </p:cNvSpPr>
-          <p:nvPr>
-            <p:extLst>
-              <p:ext uri="{386F3935-93C4-4BCD-93E2-E3B085C9AB24}">
-                <p16:designElem xmlns:p16="http://schemas.microsoft.com/office/powerpoint/2015/main" val="1"/>
-              </p:ext>
-            </p:extLst>
-          </p:nvPr>
-        </p:nvSpPr>
-        <p:spPr>
-          <a:xfrm>
-            <a:off x="0" y="0"/>
-            <a:ext cx="12192000" cy="6858000"/>
-          </a:xfrm>
-          <a:prstGeom prst="rect">
-            <a:avLst/>
-          </a:prstGeom>
-          <a:ln>
-            <a:noFill/>
-          </a:ln>
-        </p:spPr>
-        <p:style>
-          <a:lnRef idx="2">
-            <a:schemeClr val="accent1">
-              <a:shade val="50000"/>
-            </a:schemeClr>
-          </a:lnRef>
-          <a:fillRef idx="1">
-            <a:schemeClr val="accent1"/>
-          </a:fillRef>
-          <a:effectRef idx="0">
-            <a:schemeClr val="accent1"/>
-          </a:effectRef>
-          <a:fontRef idx="minor">
-            <a:schemeClr val="lt1"/>
-          </a:fontRef>
-        </p:style>
-        <p:txBody>
-          <a:bodyPr rtlCol="0" anchor="ctr"/>
-          <a:lstStyle/>
-          <a:p>
-            <a:pPr algn="ctr"/>
-            <a:endParaRPr lang="en-US"/>
-          </a:p>
-        </p:txBody>
-      </p:sp>
       <p:pic>
         <p:nvPicPr>
           <p:cNvPr id="4" name="Picture 3" descr="Ein Bild, das Vorhang, Möbel enthält.&#10;&#10;Automatisch generierte Beschreibung">
@@ -3936,8 +3882,8 @@
         </p:blipFill>
         <p:spPr>
           <a:xfrm>
-            <a:off x="20" y="10"/>
-            <a:ext cx="12191980" cy="6857990"/>
+            <a:off x="-3047" y="10"/>
+            <a:ext cx="12191999" cy="6857990"/>
           </a:xfrm>
           <a:prstGeom prst="rect">
             <a:avLst/>
@@ -3946,10 +3892,10 @@
       </p:pic>
       <p:sp>
         <p:nvSpPr>
-          <p:cNvPr id="11" name="Rectangle 10">
+          <p:cNvPr id="24" name="Rectangle 17">
             <a:extLst>
               <a:ext uri="{FF2B5EF4-FFF2-40B4-BE49-F238E27FC236}">
-                <a16:creationId xmlns:a16="http://schemas.microsoft.com/office/drawing/2014/main" id="{64C13BAB-7C00-4D21-A857-E3D41C0A2A66}"/>
+                <a16:creationId xmlns:a16="http://schemas.microsoft.com/office/drawing/2014/main" id="{007891EC-4501-44ED-A8C8-B11B6DB767AB}"/>
               </a:ext>
               <a:ext uri="{C183D7F6-B498-43B3-948B-1728B52AA6E4}">
                 <adec:decorative xmlns:adec="http://schemas.microsoft.com/office/drawing/2017/decorative" val="1"/>
@@ -3969,90 +3915,61 @@
         </p:nvSpPr>
         <p:spPr>
           <a:xfrm>
-            <a:off x="753883" y="1661699"/>
-            <a:ext cx="3703320" cy="94997"/>
+            <a:off x="0" y="2207602"/>
+            <a:ext cx="12191999" cy="3162146"/>
           </a:xfrm>
           <a:prstGeom prst="rect">
             <a:avLst/>
           </a:prstGeom>
-          <a:solidFill>
-            <a:schemeClr val="bg1"/>
-          </a:solidFill>
+          <a:gradFill flip="none" rotWithShape="1">
+            <a:gsLst>
+              <a:gs pos="0">
+                <a:schemeClr val="tx2">
+                  <a:alpha val="0"/>
+                </a:schemeClr>
+              </a:gs>
+              <a:gs pos="50000">
+                <a:schemeClr val="tx2">
+                  <a:alpha val="35000"/>
+                </a:schemeClr>
+              </a:gs>
+              <a:gs pos="100000">
+                <a:schemeClr val="tx2">
+                  <a:alpha val="0"/>
+                </a:schemeClr>
+              </a:gs>
+            </a:gsLst>
+            <a:lin ang="16200000" scaled="1"/>
+            <a:tileRect/>
+          </a:gradFill>
           <a:ln>
             <a:noFill/>
           </a:ln>
-          <a:effectLst/>
         </p:spPr>
         <p:style>
-          <a:lnRef idx="1">
-            <a:schemeClr val="accent1"/>
+          <a:lnRef idx="2">
+            <a:schemeClr val="accent1">
+              <a:shade val="50000"/>
+            </a:schemeClr>
           </a:lnRef>
-          <a:fillRef idx="3">
+          <a:fillRef idx="1">
             <a:schemeClr val="accent1"/>
           </a:fillRef>
-          <a:effectRef idx="2">
+          <a:effectRef idx="0">
             <a:schemeClr val="accent1"/>
           </a:effectRef>
           <a:fontRef idx="minor">
             <a:schemeClr val="lt1"/>
           </a:fontRef>
         </p:style>
-      </p:sp>
-      <p:sp>
-        <p:nvSpPr>
-          <p:cNvPr id="13" name="Rectangle 12">
-            <a:extLst>
-              <a:ext uri="{FF2B5EF4-FFF2-40B4-BE49-F238E27FC236}">
-                <a16:creationId xmlns:a16="http://schemas.microsoft.com/office/drawing/2014/main" id="{1F1FF39A-AC3C-4066-9D4C-519AA22812EA}"/>
-              </a:ext>
-              <a:ext uri="{C183D7F6-B498-43B3-948B-1728B52AA6E4}">
-                <adec:decorative xmlns:adec="http://schemas.microsoft.com/office/drawing/2017/decorative" val="1"/>
-              </a:ext>
-            </a:extLst>
-          </p:cNvPr>
-          <p:cNvSpPr>
-            <a:spLocks noGrp="1" noRot="1" noChangeAspect="1" noMove="1" noResize="1" noEditPoints="1" noAdjustHandles="1" noChangeArrowheads="1" noChangeShapeType="1" noTextEdit="1"/>
-          </p:cNvSpPr>
-          <p:nvPr>
-            <p:extLst>
-              <p:ext uri="{386F3935-93C4-4BCD-93E2-E3B085C9AB24}">
-                <p16:designElem xmlns:p16="http://schemas.microsoft.com/office/powerpoint/2015/main" val="1"/>
-              </p:ext>
-            </p:extLst>
-          </p:nvPr>
-        </p:nvSpPr>
-        <p:spPr>
-          <a:xfrm>
-            <a:off x="753883" y="1817914"/>
-            <a:ext cx="3702134" cy="3378388"/>
-          </a:xfrm>
-          <a:prstGeom prst="rect">
-            <a:avLst/>
-          </a:prstGeom>
-          <a:solidFill>
-            <a:schemeClr val="bg1">
-              <a:alpha val="97000"/>
-            </a:schemeClr>
-          </a:solidFill>
-          <a:ln w="6350" cmpd="sng">
-            <a:noFill/>
-          </a:ln>
-          <a:effectLst/>
-        </p:spPr>
-        <p:style>
-          <a:lnRef idx="1">
-            <a:schemeClr val="accent1"/>
-          </a:lnRef>
-          <a:fillRef idx="3">
-            <a:schemeClr val="accent1"/>
-          </a:fillRef>
-          <a:effectRef idx="2">
-            <a:schemeClr val="accent1"/>
-          </a:effectRef>
-          <a:fontRef idx="minor">
-            <a:schemeClr val="lt1"/>
-          </a:fontRef>
-        </p:style>
+        <p:txBody>
+          <a:bodyPr rtlCol="0" anchor="ctr"/>
+          <a:lstStyle/>
+          <a:p>
+            <a:pPr algn="ctr"/>
+            <a:endParaRPr lang="en-US"/>
+          </a:p>
+        </p:txBody>
       </p:sp>
       <p:sp>
         <p:nvSpPr>
@@ -4072,9 +3989,16 @@
         </p:nvSpPr>
         <p:spPr>
           <a:xfrm>
-            <a:off x="899510" y="2324906"/>
-            <a:ext cx="3412067" cy="1588698"/>
-          </a:xfrm>
+            <a:off x="643466" y="643467"/>
+            <a:ext cx="10905059" cy="3330353"/>
+          </a:xfrm>
+          <a:effectLst>
+            <a:outerShdw blurRad="50800" dist="38100" dir="2700000" algn="tl" rotWithShape="0">
+              <a:prstClr val="black">
+                <a:alpha val="40000"/>
+              </a:prstClr>
+            </a:outerShdw>
+          </a:effectLst>
         </p:spPr>
         <p:txBody>
           <a:bodyPr>
@@ -4082,10 +4006,11 @@
           </a:bodyPr>
           <a:lstStyle/>
           <a:p>
+            <a:pPr algn="ctr"/>
             <a:r>
               <a:rPr lang="de-CH">
                 <a:solidFill>
-                  <a:schemeClr val="tx1"/>
+                  <a:schemeClr val="bg1"/>
                 </a:solidFill>
               </a:rPr>
               <a:t>Gruppenarbeit m151</a:t>
@@ -4111,9 +4036,16 @@
         </p:nvSpPr>
         <p:spPr>
           <a:xfrm>
-            <a:off x="899510" y="3945249"/>
-            <a:ext cx="3412067" cy="738820"/>
-          </a:xfrm>
+            <a:off x="643466" y="4133135"/>
+            <a:ext cx="10902016" cy="1454510"/>
+          </a:xfrm>
+          <a:effectLst>
+            <a:outerShdw blurRad="50800" dist="38100" dir="2700000" algn="tl" rotWithShape="0">
+              <a:prstClr val="black">
+                <a:alpha val="40000"/>
+              </a:prstClr>
+            </a:outerShdw>
+          </a:effectLst>
         </p:spPr>
         <p:txBody>
           <a:bodyPr>
@@ -4121,13 +4053,77 @@
           </a:bodyPr>
           <a:lstStyle/>
           <a:p>
-            <a:r>
-              <a:rPr lang="de-CH" dirty="0"/>
+            <a:pPr algn="ctr"/>
+            <a:r>
+              <a:rPr lang="de-CH" sz="1800">
+                <a:solidFill>
+                  <a:schemeClr val="bg1"/>
+                </a:solidFill>
+              </a:rPr>
               <a:t>Runa, Nikolaos</a:t>
             </a:r>
           </a:p>
         </p:txBody>
       </p:sp>
+      <p:cxnSp>
+        <p:nvCxnSpPr>
+          <p:cNvPr id="25" name="Straight Connector 19">
+            <a:extLst>
+              <a:ext uri="{FF2B5EF4-FFF2-40B4-BE49-F238E27FC236}">
+                <a16:creationId xmlns:a16="http://schemas.microsoft.com/office/drawing/2014/main" id="{34E5597F-CE67-4085-9548-E6A8036DA3BB}"/>
+              </a:ext>
+              <a:ext uri="{C183D7F6-B498-43B3-948B-1728B52AA6E4}">
+                <adec:decorative xmlns:adec="http://schemas.microsoft.com/office/drawing/2017/decorative" val="1"/>
+              </a:ext>
+            </a:extLst>
+          </p:cNvPr>
+          <p:cNvCxnSpPr>
+            <a:cxnSpLocks noGrp="1" noRot="1" noChangeAspect="1" noMove="1" noResize="1" noEditPoints="1" noAdjustHandles="1" noChangeArrowheads="1" noChangeShapeType="1"/>
+          </p:cNvCxnSpPr>
+          <p:nvPr>
+            <p:extLst>
+              <p:ext uri="{386F3935-93C4-4BCD-93E2-E3B085C9AB24}">
+                <p16:designElem xmlns:p16="http://schemas.microsoft.com/office/powerpoint/2015/main" val="1"/>
+              </p:ext>
+            </p:extLst>
+          </p:nvPr>
+        </p:nvCxnSpPr>
+        <p:spPr>
+          <a:xfrm>
+            <a:off x="3393881" y="4035362"/>
+            <a:ext cx="5404237" cy="0"/>
+          </a:xfrm>
+          <a:prstGeom prst="line">
+            <a:avLst/>
+          </a:prstGeom>
+          <a:ln>
+            <a:solidFill>
+              <a:schemeClr val="bg1"/>
+            </a:solidFill>
+          </a:ln>
+          <a:effectLst>
+            <a:outerShdw blurRad="50800" dist="38100" dir="2700000" algn="tl" rotWithShape="0">
+              <a:prstClr val="black">
+                <a:alpha val="40000"/>
+              </a:prstClr>
+            </a:outerShdw>
+          </a:effectLst>
+        </p:spPr>
+        <p:style>
+          <a:lnRef idx="1">
+            <a:schemeClr val="accent1"/>
+          </a:lnRef>
+          <a:fillRef idx="0">
+            <a:schemeClr val="accent1"/>
+          </a:fillRef>
+          <a:effectRef idx="0">
+            <a:schemeClr val="accent1"/>
+          </a:effectRef>
+          <a:fontRef idx="minor">
+            <a:schemeClr val="tx1"/>
+          </a:fontRef>
+        </p:style>
+      </p:cxnSp>
     </p:spTree>
     <p:extLst>
       <p:ext uri="{BB962C8B-B14F-4D97-AF65-F5344CB8AC3E}">
@@ -4136,7 +4132,7 @@
     </p:extLst>
   </p:cSld>
   <p:clrMapOvr>
-    <a:overrideClrMapping bg1="dk1" tx1="lt1" bg2="dk2" tx2="lt2" accent1="accent1" accent2="accent2" accent3="accent3" accent4="accent4" accent5="accent5" accent6="accent6" hlink="hlink" folHlink="folHlink"/>
+    <a:masterClrMapping/>
   </p:clrMapOvr>
 </p:sld>
 </file>
@@ -4212,7 +4208,7 @@
           <a:bodyPr/>
           <a:lstStyle/>
           <a:p>
-            <a:endParaRPr lang="de-CH"/>
+            <a:endParaRPr lang="de-CH" dirty="0"/>
           </a:p>
         </p:txBody>
       </p:sp>
@@ -4564,6 +4560,531 @@
   </p:cSld>
   <p:clrMapOvr>
     <a:masterClrMapping/>
+  </p:clrMapOvr>
+</p:sld>
+</file>
+
+<file path=ppt/slides/slide7.xml><?xml version="1.0" encoding="utf-8"?>
+<p:sld xmlns:a="http://schemas.openxmlformats.org/drawingml/2006/main" xmlns:r="http://schemas.openxmlformats.org/officeDocument/2006/relationships" xmlns:p="http://schemas.openxmlformats.org/presentationml/2006/main">
+  <p:cSld>
+    <p:bg>
+      <p:bgPr>
+        <a:solidFill>
+          <a:schemeClr val="bg1"/>
+        </a:solidFill>
+        <a:effectLst/>
+      </p:bgPr>
+    </p:bg>
+    <p:spTree>
+      <p:nvGrpSpPr>
+        <p:cNvPr id="1" name=""/>
+        <p:cNvGrpSpPr/>
+        <p:nvPr/>
+      </p:nvGrpSpPr>
+      <p:grpSpPr>
+        <a:xfrm>
+          <a:off x="0" y="0"/>
+          <a:ext cx="0" cy="0"/>
+          <a:chOff x="0" y="0"/>
+          <a:chExt cx="0" cy="0"/>
+        </a:xfrm>
+      </p:grpSpPr>
+      <p:sp>
+        <p:nvSpPr>
+          <p:cNvPr id="10" name="Rectangle 9">
+            <a:extLst>
+              <a:ext uri="{FF2B5EF4-FFF2-40B4-BE49-F238E27FC236}">
+                <a16:creationId xmlns:a16="http://schemas.microsoft.com/office/drawing/2014/main" id="{E6C8E6EB-4C59-429B-97E4-72A058CFC4FB}"/>
+              </a:ext>
+              <a:ext uri="{C183D7F6-B498-43B3-948B-1728B52AA6E4}">
+                <adec:decorative xmlns:adec="http://schemas.microsoft.com/office/drawing/2017/decorative" val="1"/>
+              </a:ext>
+            </a:extLst>
+          </p:cNvPr>
+          <p:cNvSpPr>
+            <a:spLocks noGrp="1" noRot="1" noChangeAspect="1" noMove="1" noResize="1" noEditPoints="1" noAdjustHandles="1" noChangeArrowheads="1" noChangeShapeType="1" noTextEdit="1"/>
+          </p:cNvSpPr>
+          <p:nvPr>
+            <p:extLst>
+              <p:ext uri="{386F3935-93C4-4BCD-93E2-E3B085C9AB24}">
+                <p16:designElem xmlns:p16="http://schemas.microsoft.com/office/powerpoint/2015/main" val="1"/>
+              </p:ext>
+            </p:extLst>
+          </p:nvPr>
+        </p:nvSpPr>
+        <p:spPr>
+          <a:xfrm>
+            <a:off x="446534" y="457200"/>
+            <a:ext cx="3703320" cy="94997"/>
+          </a:xfrm>
+          <a:prstGeom prst="rect">
+            <a:avLst/>
+          </a:prstGeom>
+          <a:solidFill>
+            <a:srgbClr val="465359"/>
+          </a:solidFill>
+          <a:ln>
+            <a:noFill/>
+          </a:ln>
+          <a:effectLst/>
+        </p:spPr>
+        <p:style>
+          <a:lnRef idx="1">
+            <a:schemeClr val="accent1"/>
+          </a:lnRef>
+          <a:fillRef idx="3">
+            <a:schemeClr val="accent1"/>
+          </a:fillRef>
+          <a:effectRef idx="2">
+            <a:schemeClr val="accent1"/>
+          </a:effectRef>
+          <a:fontRef idx="minor">
+            <a:schemeClr val="lt1"/>
+          </a:fontRef>
+        </p:style>
+      </p:sp>
+      <p:sp>
+        <p:nvSpPr>
+          <p:cNvPr id="12" name="Rectangle 11">
+            <a:extLst>
+              <a:ext uri="{FF2B5EF4-FFF2-40B4-BE49-F238E27FC236}">
+                <a16:creationId xmlns:a16="http://schemas.microsoft.com/office/drawing/2014/main" id="{B5B90362-AFCC-46A9-B41C-A257A8C5B314}"/>
+              </a:ext>
+              <a:ext uri="{C183D7F6-B498-43B3-948B-1728B52AA6E4}">
+                <adec:decorative xmlns:adec="http://schemas.microsoft.com/office/drawing/2017/decorative" val="1"/>
+              </a:ext>
+            </a:extLst>
+          </p:cNvPr>
+          <p:cNvSpPr>
+            <a:spLocks noGrp="1" noRot="1" noChangeAspect="1" noMove="1" noResize="1" noEditPoints="1" noAdjustHandles="1" noChangeArrowheads="1" noChangeShapeType="1" noTextEdit="1"/>
+          </p:cNvSpPr>
+          <p:nvPr>
+            <p:extLst>
+              <p:ext uri="{386F3935-93C4-4BCD-93E2-E3B085C9AB24}">
+                <p16:designElem xmlns:p16="http://schemas.microsoft.com/office/powerpoint/2015/main" val="1"/>
+              </p:ext>
+            </p:extLst>
+          </p:nvPr>
+        </p:nvSpPr>
+        <p:spPr>
+          <a:xfrm>
+            <a:off x="8042147" y="453643"/>
+            <a:ext cx="3703320" cy="98554"/>
+          </a:xfrm>
+          <a:prstGeom prst="rect">
+            <a:avLst/>
+          </a:prstGeom>
+          <a:solidFill>
+            <a:srgbClr val="969FA7"/>
+          </a:solidFill>
+          <a:ln>
+            <a:noFill/>
+          </a:ln>
+          <a:effectLst/>
+        </p:spPr>
+        <p:style>
+          <a:lnRef idx="1">
+            <a:schemeClr val="accent1"/>
+          </a:lnRef>
+          <a:fillRef idx="3">
+            <a:schemeClr val="accent1"/>
+          </a:fillRef>
+          <a:effectRef idx="2">
+            <a:schemeClr val="accent1"/>
+          </a:effectRef>
+          <a:fontRef idx="minor">
+            <a:schemeClr val="lt1"/>
+          </a:fontRef>
+        </p:style>
+      </p:sp>
+      <p:sp>
+        <p:nvSpPr>
+          <p:cNvPr id="14" name="Rectangle 13">
+            <a:extLst>
+              <a:ext uri="{FF2B5EF4-FFF2-40B4-BE49-F238E27FC236}">
+                <a16:creationId xmlns:a16="http://schemas.microsoft.com/office/drawing/2014/main" id="{F71EF7F1-38BA-471D-8CD4-2A9AE8E35527}"/>
+              </a:ext>
+              <a:ext uri="{C183D7F6-B498-43B3-948B-1728B52AA6E4}">
+                <adec:decorative xmlns:adec="http://schemas.microsoft.com/office/drawing/2017/decorative" val="1"/>
+              </a:ext>
+            </a:extLst>
+          </p:cNvPr>
+          <p:cNvSpPr>
+            <a:spLocks noGrp="1" noRot="1" noChangeAspect="1" noMove="1" noResize="1" noEditPoints="1" noAdjustHandles="1" noChangeArrowheads="1" noChangeShapeType="1" noTextEdit="1"/>
+          </p:cNvSpPr>
+          <p:nvPr>
+            <p:extLst>
+              <p:ext uri="{386F3935-93C4-4BCD-93E2-E3B085C9AB24}">
+                <p16:designElem xmlns:p16="http://schemas.microsoft.com/office/powerpoint/2015/main" val="1"/>
+              </p:ext>
+            </p:extLst>
+          </p:nvPr>
+        </p:nvSpPr>
+        <p:spPr>
+          <a:xfrm>
+            <a:off x="4241830" y="457200"/>
+            <a:ext cx="3703320" cy="91440"/>
+          </a:xfrm>
+          <a:prstGeom prst="rect">
+            <a:avLst/>
+          </a:prstGeom>
+          <a:solidFill>
+            <a:schemeClr val="accent1"/>
+          </a:solidFill>
+          <a:ln>
+            <a:noFill/>
+          </a:ln>
+          <a:effectLst/>
+        </p:spPr>
+        <p:style>
+          <a:lnRef idx="1">
+            <a:schemeClr val="accent1"/>
+          </a:lnRef>
+          <a:fillRef idx="3">
+            <a:schemeClr val="accent1"/>
+          </a:fillRef>
+          <a:effectRef idx="2">
+            <a:schemeClr val="accent1"/>
+          </a:effectRef>
+          <a:fontRef idx="minor">
+            <a:schemeClr val="lt1"/>
+          </a:fontRef>
+        </p:style>
+      </p:sp>
+      <p:sp>
+        <p:nvSpPr>
+          <p:cNvPr id="16" name="Rectangle 15">
+            <a:extLst>
+              <a:ext uri="{FF2B5EF4-FFF2-40B4-BE49-F238E27FC236}">
+                <a16:creationId xmlns:a16="http://schemas.microsoft.com/office/drawing/2014/main" id="{C0524398-BFB4-4C4A-8317-83B8729F9B26}"/>
+              </a:ext>
+              <a:ext uri="{C183D7F6-B498-43B3-948B-1728B52AA6E4}">
+                <adec:decorative xmlns:adec="http://schemas.microsoft.com/office/drawing/2017/decorative" val="1"/>
+              </a:ext>
+            </a:extLst>
+          </p:cNvPr>
+          <p:cNvSpPr>
+            <a:spLocks noGrp="1" noRot="1" noChangeAspect="1" noMove="1" noResize="1" noEditPoints="1" noAdjustHandles="1" noChangeArrowheads="1" noChangeShapeType="1" noTextEdit="1"/>
+          </p:cNvSpPr>
+          <p:nvPr>
+            <p:extLst>
+              <p:ext uri="{386F3935-93C4-4BCD-93E2-E3B085C9AB24}">
+                <p16:designElem xmlns:p16="http://schemas.microsoft.com/office/powerpoint/2015/main" val="1"/>
+              </p:ext>
+            </p:extLst>
+          </p:nvPr>
+        </p:nvSpPr>
+        <p:spPr>
+          <a:xfrm>
+            <a:off x="446534" y="3085764"/>
+            <a:ext cx="11298932" cy="3338149"/>
+          </a:xfrm>
+          <a:prstGeom prst="rect">
+            <a:avLst/>
+          </a:prstGeom>
+          <a:solidFill>
+            <a:srgbClr val="465359"/>
+          </a:solidFill>
+          <a:ln>
+            <a:noFill/>
+          </a:ln>
+          <a:effectLst/>
+        </p:spPr>
+        <p:style>
+          <a:lnRef idx="1">
+            <a:schemeClr val="accent1"/>
+          </a:lnRef>
+          <a:fillRef idx="3">
+            <a:schemeClr val="accent1"/>
+          </a:fillRef>
+          <a:effectRef idx="2">
+            <a:schemeClr val="accent1"/>
+          </a:effectRef>
+          <a:fontRef idx="minor">
+            <a:schemeClr val="lt1"/>
+          </a:fontRef>
+        </p:style>
+      </p:sp>
+      <p:sp>
+        <p:nvSpPr>
+          <p:cNvPr id="18" name="Rectangle 17">
+            <a:extLst>
+              <a:ext uri="{FF2B5EF4-FFF2-40B4-BE49-F238E27FC236}">
+                <a16:creationId xmlns:a16="http://schemas.microsoft.com/office/drawing/2014/main" id="{E08D4B6A-8113-4DFB-B82E-B60CAC8E0A50}"/>
+              </a:ext>
+              <a:ext uri="{C183D7F6-B498-43B3-948B-1728B52AA6E4}">
+                <adec:decorative xmlns:adec="http://schemas.microsoft.com/office/drawing/2017/decorative" val="1"/>
+              </a:ext>
+            </a:extLst>
+          </p:cNvPr>
+          <p:cNvSpPr>
+            <a:spLocks noGrp="1" noRot="1" noChangeAspect="1" noMove="1" noResize="1" noEditPoints="1" noAdjustHandles="1" noChangeArrowheads="1" noChangeShapeType="1" noTextEdit="1"/>
+          </p:cNvSpPr>
+          <p:nvPr>
+            <p:extLst>
+              <p:ext uri="{386F3935-93C4-4BCD-93E2-E3B085C9AB24}">
+                <p16:designElem xmlns:p16="http://schemas.microsoft.com/office/powerpoint/2015/main" val="1"/>
+              </p:ext>
+            </p:extLst>
+          </p:nvPr>
+        </p:nvSpPr>
+        <p:spPr>
+          <a:xfrm>
+            <a:off x="0" y="0"/>
+            <a:ext cx="12192000" cy="6858000"/>
+          </a:xfrm>
+          <a:prstGeom prst="rect">
+            <a:avLst/>
+          </a:prstGeom>
+          <a:solidFill>
+            <a:srgbClr val="FFFFFF"/>
+          </a:solidFill>
+          <a:ln>
+            <a:noFill/>
+          </a:ln>
+        </p:spPr>
+        <p:style>
+          <a:lnRef idx="2">
+            <a:schemeClr val="accent1">
+              <a:shade val="50000"/>
+            </a:schemeClr>
+          </a:lnRef>
+          <a:fillRef idx="1">
+            <a:schemeClr val="accent1"/>
+          </a:fillRef>
+          <a:effectRef idx="0">
+            <a:schemeClr val="accent1"/>
+          </a:effectRef>
+          <a:fontRef idx="minor">
+            <a:schemeClr val="lt1"/>
+          </a:fontRef>
+        </p:style>
+        <p:txBody>
+          <a:bodyPr rtlCol="0" anchor="ctr"/>
+          <a:lstStyle/>
+          <a:p>
+            <a:pPr marL="0" marR="0" lvl="0" indent="0" algn="ctr" defTabSz="457200" rtl="0" eaLnBrk="1" fontAlgn="auto" latinLnBrk="0" hangingPunct="1">
+              <a:lnSpc>
+                <a:spcPct val="100000"/>
+              </a:lnSpc>
+              <a:spcBef>
+                <a:spcPts val="0"/>
+              </a:spcBef>
+              <a:spcAft>
+                <a:spcPts val="0"/>
+              </a:spcAft>
+              <a:buClrTx/>
+              <a:buSzTx/>
+              <a:buFontTx/>
+              <a:buNone/>
+              <a:tabLst/>
+              <a:defRPr/>
+            </a:pPr>
+            <a:endParaRPr kumimoji="0" lang="en-US" sz="1800" b="0" i="0" u="none" strike="noStrike" kern="1200" cap="none" spc="0" normalizeH="0" baseline="0" noProof="0">
+              <a:ln>
+                <a:noFill/>
+              </a:ln>
+              <a:solidFill>
+                <a:prstClr val="white"/>
+              </a:solidFill>
+              <a:effectLst/>
+              <a:uLnTx/>
+              <a:uFillTx/>
+              <a:latin typeface="Gill Sans MT" panose="020B0502020104020203"/>
+              <a:ea typeface="+mn-ea"/>
+              <a:cs typeface="+mn-cs"/>
+            </a:endParaRPr>
+          </a:p>
+        </p:txBody>
+      </p:sp>
+      <p:sp>
+        <p:nvSpPr>
+          <p:cNvPr id="20" name="Rectangle 19">
+            <a:extLst>
+              <a:ext uri="{FF2B5EF4-FFF2-40B4-BE49-F238E27FC236}">
+                <a16:creationId xmlns:a16="http://schemas.microsoft.com/office/drawing/2014/main" id="{9822E561-F97C-4CBB-A9A6-A6BF6317BC84}"/>
+              </a:ext>
+              <a:ext uri="{C183D7F6-B498-43B3-948B-1728B52AA6E4}">
+                <adec:decorative xmlns:adec="http://schemas.microsoft.com/office/drawing/2017/decorative" val="1"/>
+              </a:ext>
+            </a:extLst>
+          </p:cNvPr>
+          <p:cNvSpPr>
+            <a:spLocks noGrp="1" noRot="1" noChangeAspect="1" noMove="1" noResize="1" noEditPoints="1" noAdjustHandles="1" noChangeArrowheads="1" noChangeShapeType="1" noTextEdit="1"/>
+          </p:cNvSpPr>
+          <p:nvPr>
+            <p:extLst>
+              <p:ext uri="{386F3935-93C4-4BCD-93E2-E3B085C9AB24}">
+                <p16:designElem xmlns:p16="http://schemas.microsoft.com/office/powerpoint/2015/main" val="1"/>
+              </p:ext>
+            </p:extLst>
+          </p:nvPr>
+        </p:nvSpPr>
+        <p:spPr>
+          <a:xfrm>
+            <a:off x="0" y="0"/>
+            <a:ext cx="12192000" cy="6858000"/>
+          </a:xfrm>
+          <a:prstGeom prst="rect">
+            <a:avLst/>
+          </a:prstGeom>
+          <a:solidFill>
+            <a:schemeClr val="bg1">
+              <a:lumMod val="85000"/>
+              <a:lumOff val="15000"/>
+            </a:schemeClr>
+          </a:solidFill>
+          <a:ln>
+            <a:noFill/>
+          </a:ln>
+          <a:effectLst/>
+        </p:spPr>
+        <p:style>
+          <a:lnRef idx="1">
+            <a:schemeClr val="accent1"/>
+          </a:lnRef>
+          <a:fillRef idx="3">
+            <a:schemeClr val="accent1"/>
+          </a:fillRef>
+          <a:effectRef idx="2">
+            <a:schemeClr val="accent1"/>
+          </a:effectRef>
+          <a:fontRef idx="minor">
+            <a:schemeClr val="lt1"/>
+          </a:fontRef>
+        </p:style>
+      </p:sp>
+      <p:sp>
+        <p:nvSpPr>
+          <p:cNvPr id="4" name="Titel 3">
+            <a:extLst>
+              <a:ext uri="{FF2B5EF4-FFF2-40B4-BE49-F238E27FC236}">
+                <a16:creationId xmlns:a16="http://schemas.microsoft.com/office/drawing/2014/main" id="{CB894E7C-EAB1-4440-8C69-143B16ABB7EA}"/>
+              </a:ext>
+            </a:extLst>
+          </p:cNvPr>
+          <p:cNvSpPr>
+            <a:spLocks noGrp="1"/>
+          </p:cNvSpPr>
+          <p:nvPr>
+            <p:ph type="title"/>
+          </p:nvPr>
+        </p:nvSpPr>
+        <p:spPr>
+          <a:xfrm>
+            <a:off x="638620" y="863695"/>
+            <a:ext cx="3511233" cy="3779995"/>
+          </a:xfrm>
+        </p:spPr>
+        <p:txBody>
+          <a:bodyPr vert="horz" lIns="91440" tIns="45720" rIns="91440" bIns="45720" rtlCol="0" anchor="ctr">
+            <a:normAutofit/>
+          </a:bodyPr>
+          <a:lstStyle/>
+          <a:p>
+            <a:r>
+              <a:rPr lang="en-US" sz="3600">
+                <a:solidFill>
+                  <a:schemeClr val="tx1"/>
+                </a:solidFill>
+              </a:rPr>
+              <a:t>Ende</a:t>
+            </a:r>
+          </a:p>
+        </p:txBody>
+      </p:sp>
+      <p:sp>
+        <p:nvSpPr>
+          <p:cNvPr id="22" name="Rectangle 21">
+            <a:extLst>
+              <a:ext uri="{FF2B5EF4-FFF2-40B4-BE49-F238E27FC236}">
+                <a16:creationId xmlns:a16="http://schemas.microsoft.com/office/drawing/2014/main" id="{B01B0E58-A5C8-4CDA-A2E0-35DF94E59857}"/>
+              </a:ext>
+              <a:ext uri="{C183D7F6-B498-43B3-948B-1728B52AA6E4}">
+                <adec:decorative xmlns:adec="http://schemas.microsoft.com/office/drawing/2017/decorative" val="1"/>
+              </a:ext>
+            </a:extLst>
+          </p:cNvPr>
+          <p:cNvSpPr>
+            <a:spLocks noGrp="1" noRot="1" noChangeAspect="1" noMove="1" noResize="1" noEditPoints="1" noAdjustHandles="1" noChangeArrowheads="1" noChangeShapeType="1" noTextEdit="1"/>
+          </p:cNvSpPr>
+          <p:nvPr>
+            <p:extLst>
+              <p:ext uri="{386F3935-93C4-4BCD-93E2-E3B085C9AB24}">
+                <p16:designElem xmlns:p16="http://schemas.microsoft.com/office/powerpoint/2015/main" val="1"/>
+              </p:ext>
+            </p:extLst>
+          </p:nvPr>
+        </p:nvSpPr>
+        <p:spPr>
+          <a:xfrm>
+            <a:off x="638620" y="457200"/>
+            <a:ext cx="3511233" cy="91439"/>
+          </a:xfrm>
+          <a:prstGeom prst="rect">
+            <a:avLst/>
+          </a:prstGeom>
+          <a:solidFill>
+            <a:schemeClr val="accent1"/>
+          </a:solidFill>
+          <a:ln>
+            <a:noFill/>
+          </a:ln>
+          <a:effectLst/>
+        </p:spPr>
+        <p:style>
+          <a:lnRef idx="1">
+            <a:schemeClr val="accent1"/>
+          </a:lnRef>
+          <a:fillRef idx="3">
+            <a:schemeClr val="accent1"/>
+          </a:fillRef>
+          <a:effectRef idx="2">
+            <a:schemeClr val="accent1"/>
+          </a:effectRef>
+          <a:fontRef idx="minor">
+            <a:schemeClr val="lt1"/>
+          </a:fontRef>
+        </p:style>
+      </p:sp>
+      <p:pic>
+        <p:nvPicPr>
+          <p:cNvPr id="6" name="Picture 5" descr="Schachmattzug auf Schachbrett">
+            <a:extLst>
+              <a:ext uri="{FF2B5EF4-FFF2-40B4-BE49-F238E27FC236}">
+                <a16:creationId xmlns:a16="http://schemas.microsoft.com/office/drawing/2014/main" id="{A8CFC91C-C867-4D97-B7B6-099B1F2FA55B}"/>
+              </a:ext>
+            </a:extLst>
+          </p:cNvPr>
+          <p:cNvPicPr>
+            <a:picLocks noChangeAspect="1"/>
+          </p:cNvPicPr>
+          <p:nvPr/>
+        </p:nvPicPr>
+        <p:blipFill rotWithShape="1">
+          <a:blip r:embed="rId2"/>
+          <a:srcRect l="2661" r="24248"/>
+          <a:stretch/>
+        </p:blipFill>
+        <p:spPr>
+          <a:xfrm>
+            <a:off x="4654295" y="10"/>
+            <a:ext cx="7537705" cy="6857990"/>
+          </a:xfrm>
+          <a:prstGeom prst="rect">
+            <a:avLst/>
+          </a:prstGeom>
+        </p:spPr>
+      </p:pic>
+    </p:spTree>
+    <p:extLst>
+      <p:ext uri="{BB962C8B-B14F-4D97-AF65-F5344CB8AC3E}">
+        <p14:creationId xmlns:p14="http://schemas.microsoft.com/office/powerpoint/2010/main" val="2031577060"/>
+      </p:ext>
+    </p:extLst>
+  </p:cSld>
+  <p:clrMapOvr>
+    <a:overrideClrMapping bg1="dk1" tx1="lt1" bg2="dk2" tx2="lt2" accent1="accent1" accent2="accent2" accent3="accent3" accent4="accent4" accent5="accent5" accent6="accent6" hlink="hlink" folHlink="folHlink"/>
   </p:clrMapOvr>
 </p:sld>
 </file>

--- a/Projektarbeit_New/Documents/Gruppenarbeit m151.pptx
+++ b/Projektarbeit_New/Documents/Gruppenarbeit m151.pptx
@@ -356,7 +356,7 @@
           <a:p>
             <a:fld id="{ED291B17-9318-49DB-B28B-6E5994AE9581}" type="datetime1">
               <a:rPr lang="en-US" smtClean="0"/>
-              <a:t>2/3/2021</a:t>
+              <a:t>2/4/2021</a:t>
             </a:fld>
             <a:endParaRPr lang="en-US" dirty="0"/>
           </a:p>
@@ -559,7 +559,7 @@
           <a:p>
             <a:fld id="{2CED4963-E985-44C4-B8C4-FDD613B7C2F8}" type="datetime1">
               <a:rPr lang="en-US" smtClean="0"/>
-              <a:t>2/3/2021</a:t>
+              <a:t>2/4/2021</a:t>
             </a:fld>
             <a:endParaRPr lang="en-US" dirty="0"/>
           </a:p>
@@ -921,7 +921,7 @@
           <a:p>
             <a:fld id="{ED291B17-9318-49DB-B28B-6E5994AE9581}" type="datetime1">
               <a:rPr lang="en-US" smtClean="0"/>
-              <a:t>2/3/2021</a:t>
+              <a:t>2/4/2021</a:t>
             </a:fld>
             <a:endParaRPr lang="en-US" dirty="0"/>
           </a:p>
@@ -1119,7 +1119,7 @@
           <a:p>
             <a:fld id="{78DD82B9-B8EE-4375-B6FF-88FA6ABB15D9}" type="datetime1">
               <a:rPr lang="en-US" smtClean="0"/>
-              <a:t>2/3/2021</a:t>
+              <a:t>2/4/2021</a:t>
             </a:fld>
             <a:endParaRPr lang="en-US" dirty="0"/>
           </a:p>
@@ -1431,7 +1431,7 @@
           <a:p>
             <a:fld id="{B2497495-0637-405E-AE64-5CC7506D51F5}" type="datetime1">
               <a:rPr lang="en-US" smtClean="0"/>
-              <a:t>2/3/2021</a:t>
+              <a:t>2/4/2021</a:t>
             </a:fld>
             <a:endParaRPr lang="en-US" dirty="0"/>
           </a:p>
@@ -1684,7 +1684,7 @@
           <a:p>
             <a:fld id="{7BFFD690-9426-415D-8B65-26881E07B2D4}" type="datetime1">
               <a:rPr lang="en-US" smtClean="0"/>
-              <a:t>2/3/2021</a:t>
+              <a:t>2/4/2021</a:t>
             </a:fld>
             <a:endParaRPr lang="en-US" dirty="0"/>
           </a:p>
@@ -2106,7 +2106,7 @@
           <a:p>
             <a:fld id="{04C4989A-474C-40DE-95B9-011C28B71673}" type="datetime1">
               <a:rPr lang="en-US" smtClean="0"/>
-              <a:t>2/3/2021</a:t>
+              <a:t>2/4/2021</a:t>
             </a:fld>
             <a:endParaRPr lang="en-US" dirty="0"/>
           </a:p>
@@ -2229,7 +2229,7 @@
           <a:p>
             <a:fld id="{5DB4ED54-5B5E-4A04-93D3-5772E3CE3818}" type="datetime1">
               <a:rPr lang="en-US" smtClean="0"/>
-              <a:t>2/3/2021</a:t>
+              <a:t>2/4/2021</a:t>
             </a:fld>
             <a:endParaRPr lang="en-US" dirty="0"/>
           </a:p>
@@ -2324,7 +2324,7 @@
           <a:p>
             <a:fld id="{4EDE50D6-574B-40AF-946F-D52A04ADE379}" type="datetime1">
               <a:rPr lang="en-US" smtClean="0"/>
-              <a:t>2/3/2021</a:t>
+              <a:t>2/4/2021</a:t>
             </a:fld>
             <a:endParaRPr lang="en-US" dirty="0"/>
           </a:p>
@@ -2701,7 +2701,7 @@
           <a:p>
             <a:fld id="{D82884F1-FFEA-405F-9602-3DCA865EDA4E}" type="datetime1">
               <a:rPr lang="en-US" smtClean="0"/>
-              <a:t>2/3/2021</a:t>
+              <a:t>2/4/2021</a:t>
             </a:fld>
             <a:endParaRPr lang="en-US" dirty="0"/>
           </a:p>
@@ -2994,7 +2994,7 @@
           <a:p>
             <a:fld id="{7E18DB4A-8810-4A10-AD5C-D5E2C667F5B3}" type="datetime1">
               <a:rPr lang="en-US" smtClean="0"/>
-              <a:t>2/3/2021</a:t>
+              <a:t>2/4/2021</a:t>
             </a:fld>
             <a:endParaRPr lang="en-US" dirty="0"/>
           </a:p>
@@ -3209,7 +3209,7 @@
           <a:p>
             <a:fld id="{ED291B17-9318-49DB-B28B-6E5994AE9581}" type="datetime1">
               <a:rPr lang="en-US" smtClean="0"/>
-              <a:t>2/3/2021</a:t>
+              <a:t>2/4/2021</a:t>
             </a:fld>
             <a:endParaRPr lang="en-US" dirty="0"/>
           </a:p>
@@ -4177,41 +4177,48 @@
           <a:p>
             <a:r>
               <a:rPr lang="de-CH" dirty="0"/>
-              <a:t>Vorgehen / Arbeitsplanung und </a:t>
-            </a:r>
-            <a:r>
-              <a:rPr lang="de-CH" dirty="0" err="1"/>
-              <a:t>aufteilung</a:t>
-            </a:r>
-            <a:endParaRPr lang="de-CH" dirty="0"/>
-          </a:p>
-        </p:txBody>
-      </p:sp>
-      <p:sp>
-        <p:nvSpPr>
-          <p:cNvPr id="3" name="Inhaltsplatzhalter 2">
+              <a:t>Vorgehen / Arbeitsplanung und Aufteilung</a:t>
+            </a:r>
+          </a:p>
+        </p:txBody>
+      </p:sp>
+      <p:pic>
+        <p:nvPicPr>
+          <p:cNvPr id="5" name="Inhaltsplatzhalter 4">
             <a:extLst>
               <a:ext uri="{FF2B5EF4-FFF2-40B4-BE49-F238E27FC236}">
-                <a16:creationId xmlns:a16="http://schemas.microsoft.com/office/drawing/2014/main" id="{471C0A83-C29C-480F-ADF4-F3C30F875677}"/>
+                <a16:creationId xmlns:a16="http://schemas.microsoft.com/office/drawing/2014/main" id="{7BCD17C9-C951-4448-AB67-94D2D012DB4E}"/>
               </a:ext>
             </a:extLst>
           </p:cNvPr>
-          <p:cNvSpPr>
-            <a:spLocks noGrp="1"/>
-          </p:cNvSpPr>
+          <p:cNvPicPr>
+            <a:picLocks noGrp="1"/>
+          </p:cNvPicPr>
           <p:nvPr>
             <p:ph idx="1"/>
           </p:nvPr>
-        </p:nvSpPr>
-        <p:spPr/>
-        <p:txBody>
-          <a:bodyPr/>
-          <a:lstStyle/>
-          <a:p>
-            <a:endParaRPr lang="de-CH" dirty="0"/>
-          </a:p>
-        </p:txBody>
-      </p:sp>
+        </p:nvPicPr>
+        <p:blipFill>
+          <a:blip r:embed="rId2"/>
+          <a:stretch>
+            <a:fillRect/>
+          </a:stretch>
+        </p:blipFill>
+        <p:spPr>
+          <a:xfrm>
+            <a:off x="2957125" y="2341563"/>
+            <a:ext cx="6277749" cy="3633787"/>
+          </a:xfrm>
+          <a:prstGeom prst="rect">
+            <a:avLst/>
+          </a:prstGeom>
+          <a:ln>
+            <a:solidFill>
+              <a:schemeClr val="tx1"/>
+            </a:solidFill>
+          </a:ln>
+        </p:spPr>
+      </p:pic>
     </p:spTree>
     <p:extLst>
       <p:ext uri="{BB962C8B-B14F-4D97-AF65-F5344CB8AC3E}">
@@ -4291,7 +4298,7 @@
           <a:bodyPr/>
           <a:lstStyle/>
           <a:p>
-            <a:endParaRPr lang="de-CH"/>
+            <a:endParaRPr lang="de-CH" dirty="0"/>
           </a:p>
         </p:txBody>
       </p:sp>
@@ -4379,7 +4386,7 @@
           <a:bodyPr/>
           <a:lstStyle/>
           <a:p>
-            <a:endParaRPr lang="de-CH"/>
+            <a:endParaRPr lang="de-CH" dirty="0"/>
           </a:p>
         </p:txBody>
       </p:sp>
@@ -4463,7 +4470,31 @@
           <a:bodyPr/>
           <a:lstStyle/>
           <a:p>
-            <a:endParaRPr lang="de-CH"/>
+            <a:r>
+              <a:rPr lang="de-CH" dirty="0" err="1"/>
+              <a:t>Webseit</a:t>
+            </a:r>
+            <a:r>
+              <a:rPr lang="de-CH" dirty="0"/>
+              <a:t> </a:t>
+            </a:r>
+            <a:r>
+              <a:rPr lang="de-CH" dirty="0" err="1"/>
+              <a:t>gestelten</a:t>
+            </a:r>
+            <a:endParaRPr lang="de-CH" dirty="0"/>
+          </a:p>
+          <a:p>
+            <a:r>
+              <a:rPr lang="de-CH" dirty="0"/>
+              <a:t>Model</a:t>
+            </a:r>
+          </a:p>
+          <a:p>
+            <a:r>
+              <a:rPr lang="de-CH" dirty="0"/>
+              <a:t>Controller</a:t>
+            </a:r>
           </a:p>
         </p:txBody>
       </p:sp>
@@ -4547,7 +4578,10 @@
           <a:bodyPr/>
           <a:lstStyle/>
           <a:p>
-            <a:endParaRPr lang="de-CH"/>
+            <a:r>
+              <a:rPr lang="de-CH" dirty="0"/>
+              <a:t>NP: </a:t>
+            </a:r>
           </a:p>
         </p:txBody>
       </p:sp>
